--- a/Robot Position.pptx
+++ b/Robot Position.pptx
@@ -3842,8 +3842,8 @@
           </a:p>
         </p:txBody>
       </p:sp>
-      <mc:AlternateContent xmlns:mc="http://schemas.openxmlformats.org/markup-compatibility/2006">
-        <mc:Choice xmlns:a14="http://schemas.microsoft.com/office/drawing/2010/main" Requires="a14">
+      <mc:AlternateContent xmlns:mc="http://schemas.openxmlformats.org/markup-compatibility/2006" xmlns:a14="http://schemas.microsoft.com/office/drawing/2010/main">
+        <mc:Choice Requires="a14">
           <p:sp>
             <p:nvSpPr>
               <p:cNvPr id="3" name="Content Placeholder 2"/>
@@ -3957,7 +3957,7 @@
             </p:txBody>
           </p:sp>
         </mc:Choice>
-        <mc:Fallback>
+        <mc:Fallback xmlns="">
           <p:sp>
             <p:nvSpPr>
               <p:cNvPr id="3" name="Content Placeholder 2"/>
@@ -4184,8 +4184,8 @@
           </a:p>
         </p:txBody>
       </p:sp>
-      <mc:AlternateContent xmlns:mc="http://schemas.openxmlformats.org/markup-compatibility/2006">
-        <mc:Choice xmlns:a14="http://schemas.microsoft.com/office/drawing/2010/main" Requires="a14">
+      <mc:AlternateContent xmlns:mc="http://schemas.openxmlformats.org/markup-compatibility/2006" xmlns:a14="http://schemas.microsoft.com/office/drawing/2010/main">
+        <mc:Choice Requires="a14">
           <p:sp>
             <p:nvSpPr>
               <p:cNvPr id="3" name="Content Placeholder 2"/>
@@ -4857,7 +4857,7 @@
             </p:txBody>
           </p:sp>
         </mc:Choice>
-        <mc:Fallback>
+        <mc:Fallback xmlns="">
           <p:sp>
             <p:nvSpPr>
               <p:cNvPr id="3" name="Content Placeholder 2"/>
@@ -4953,8 +4953,8 @@
           </a:p>
         </p:txBody>
       </p:sp>
-      <mc:AlternateContent xmlns:mc="http://schemas.openxmlformats.org/markup-compatibility/2006">
-        <mc:Choice xmlns:a14="http://schemas.microsoft.com/office/drawing/2010/main" Requires="a14">
+      <mc:AlternateContent xmlns:mc="http://schemas.openxmlformats.org/markup-compatibility/2006" xmlns:a14="http://schemas.microsoft.com/office/drawing/2010/main">
+        <mc:Choice Requires="a14">
           <p:sp>
             <p:nvSpPr>
               <p:cNvPr id="3" name="Content Placeholder 2"/>
@@ -6233,7 +6233,7 @@
             </p:txBody>
           </p:sp>
         </mc:Choice>
-        <mc:Fallback>
+        <mc:Fallback xmlns="">
           <p:sp>
             <p:nvSpPr>
               <p:cNvPr id="3" name="Content Placeholder 2"/>
@@ -6329,8 +6329,8 @@
           </a:p>
         </p:txBody>
       </p:sp>
-      <mc:AlternateContent xmlns:mc="http://schemas.openxmlformats.org/markup-compatibility/2006">
-        <mc:Choice xmlns:a14="http://schemas.microsoft.com/office/drawing/2010/main" Requires="a14">
+      <mc:AlternateContent xmlns:mc="http://schemas.openxmlformats.org/markup-compatibility/2006" xmlns:a14="http://schemas.microsoft.com/office/drawing/2010/main">
+        <mc:Choice Requires="a14">
           <p:sp>
             <p:nvSpPr>
               <p:cNvPr id="3" name="Content Placeholder 2"/>
@@ -7547,7 +7547,7 @@
             </p:txBody>
           </p:sp>
         </mc:Choice>
-        <mc:Fallback>
+        <mc:Fallback xmlns="">
           <p:sp>
             <p:nvSpPr>
               <p:cNvPr id="3" name="Content Placeholder 2"/>
@@ -7789,41 +7789,6 @@
                       <m:sub>
                         <m:r>
                           <a:rPr lang="en-US" b="0" i="1" smtClean="0">
-                            <a:latin typeface="Cambria Math"/>
-                            <a:ea typeface="Cambria Math"/>
-                          </a:rPr>
-                          <m:t>𝑟𝑜𝑏𝑜𝑡</m:t>
-                        </m:r>
-                      </m:sub>
-                    </m:sSub>
-                    <m:r>
-                      <a:rPr lang="en-US" b="0" i="1" smtClean="0">
-                        <a:latin typeface="Cambria Math"/>
-                        <a:ea typeface="Cambria Math"/>
-                      </a:rPr>
-                      <m:t>=</m:t>
-                    </m:r>
-                    <m:sSub>
-                      <m:sSubPr>
-                        <m:ctrlPr>
-                          <a:rPr lang="en-US" i="1">
-                            <a:latin typeface="Cambria Math"/>
-                            <a:ea typeface="Cambria Math"/>
-                          </a:rPr>
-                        </m:ctrlPr>
-                      </m:sSubPr>
-                      <m:e>
-                        <m:r>
-                          <a:rPr lang="en-US" i="1">
-                            <a:latin typeface="Cambria Math"/>
-                            <a:ea typeface="Cambria Math"/>
-                          </a:rPr>
-                          <m:t>𝜃</m:t>
-                        </m:r>
-                      </m:e>
-                      <m:sub>
-                        <m:r>
-                          <a:rPr lang="en-US" i="1">
                             <a:latin typeface="Cambria Math"/>
                             <a:ea typeface="Cambria Math"/>
                           </a:rPr>
